--- a/個案研究/個案研究老師的講義/個案研究範例3 分析單元.pptx
+++ b/個案研究/個案研究老師的講義/個案研究範例3 分析單元.pptx
@@ -319,7 +319,7 @@
           <a:p>
             <a:fld id="{1B9A0DA0-9605-4287-B4E6-E534E437C2AD}" type="datetimeFigureOut">
               <a:rPr lang="zh-TW" altLang="en-US" smtClean="0"/>
-              <a:t>2024/12/5</a:t>
+              <a:t>2025/3/20</a:t>
             </a:fld>
             <a:endParaRPr lang="zh-TW" altLang="en-US"/>
           </a:p>
@@ -799,7 +799,7 @@
           <a:p>
             <a:fld id="{52310252-A9E2-4B4A-AF86-1B3DE9E769F3}" type="datetimeFigureOut">
               <a:rPr lang="zh-TW" altLang="en-US" smtClean="0"/>
-              <a:t>2024/12/5</a:t>
+              <a:t>2025/3/20</a:t>
             </a:fld>
             <a:endParaRPr lang="zh-TW" altLang="en-US"/>
           </a:p>
@@ -967,7 +967,7 @@
           <a:p>
             <a:fld id="{52310252-A9E2-4B4A-AF86-1B3DE9E769F3}" type="datetimeFigureOut">
               <a:rPr lang="zh-TW" altLang="en-US" smtClean="0"/>
-              <a:t>2024/12/5</a:t>
+              <a:t>2025/3/20</a:t>
             </a:fld>
             <a:endParaRPr lang="zh-TW" altLang="en-US"/>
           </a:p>
@@ -1145,7 +1145,7 @@
           <a:p>
             <a:fld id="{52310252-A9E2-4B4A-AF86-1B3DE9E769F3}" type="datetimeFigureOut">
               <a:rPr lang="zh-TW" altLang="en-US" smtClean="0"/>
-              <a:t>2024/12/5</a:t>
+              <a:t>2025/3/20</a:t>
             </a:fld>
             <a:endParaRPr lang="zh-TW" altLang="en-US"/>
           </a:p>
@@ -1313,7 +1313,7 @@
           <a:p>
             <a:fld id="{52310252-A9E2-4B4A-AF86-1B3DE9E769F3}" type="datetimeFigureOut">
               <a:rPr lang="zh-TW" altLang="en-US" smtClean="0"/>
-              <a:t>2024/12/5</a:t>
+              <a:t>2025/3/20</a:t>
             </a:fld>
             <a:endParaRPr lang="zh-TW" altLang="en-US"/>
           </a:p>
@@ -1558,7 +1558,7 @@
           <a:p>
             <a:fld id="{52310252-A9E2-4B4A-AF86-1B3DE9E769F3}" type="datetimeFigureOut">
               <a:rPr lang="zh-TW" altLang="en-US" smtClean="0"/>
-              <a:t>2024/12/5</a:t>
+              <a:t>2025/3/20</a:t>
             </a:fld>
             <a:endParaRPr lang="zh-TW" altLang="en-US"/>
           </a:p>
@@ -1787,7 +1787,7 @@
           <a:p>
             <a:fld id="{52310252-A9E2-4B4A-AF86-1B3DE9E769F3}" type="datetimeFigureOut">
               <a:rPr lang="zh-TW" altLang="en-US" smtClean="0"/>
-              <a:t>2024/12/5</a:t>
+              <a:t>2025/3/20</a:t>
             </a:fld>
             <a:endParaRPr lang="zh-TW" altLang="en-US"/>
           </a:p>
@@ -2151,7 +2151,7 @@
           <a:p>
             <a:fld id="{52310252-A9E2-4B4A-AF86-1B3DE9E769F3}" type="datetimeFigureOut">
               <a:rPr lang="zh-TW" altLang="en-US" smtClean="0"/>
-              <a:t>2024/12/5</a:t>
+              <a:t>2025/3/20</a:t>
             </a:fld>
             <a:endParaRPr lang="zh-TW" altLang="en-US"/>
           </a:p>
@@ -2268,7 +2268,7 @@
           <a:p>
             <a:fld id="{52310252-A9E2-4B4A-AF86-1B3DE9E769F3}" type="datetimeFigureOut">
               <a:rPr lang="zh-TW" altLang="en-US" smtClean="0"/>
-              <a:t>2024/12/5</a:t>
+              <a:t>2025/3/20</a:t>
             </a:fld>
             <a:endParaRPr lang="zh-TW" altLang="en-US"/>
           </a:p>
@@ -2363,7 +2363,7 @@
           <a:p>
             <a:fld id="{52310252-A9E2-4B4A-AF86-1B3DE9E769F3}" type="datetimeFigureOut">
               <a:rPr lang="zh-TW" altLang="en-US" smtClean="0"/>
-              <a:t>2024/12/5</a:t>
+              <a:t>2025/3/20</a:t>
             </a:fld>
             <a:endParaRPr lang="zh-TW" altLang="en-US"/>
           </a:p>
@@ -2638,7 +2638,7 @@
           <a:p>
             <a:fld id="{52310252-A9E2-4B4A-AF86-1B3DE9E769F3}" type="datetimeFigureOut">
               <a:rPr lang="zh-TW" altLang="en-US" smtClean="0"/>
-              <a:t>2024/12/5</a:t>
+              <a:t>2025/3/20</a:t>
             </a:fld>
             <a:endParaRPr lang="zh-TW" altLang="en-US"/>
           </a:p>
@@ -2890,7 +2890,7 @@
           <a:p>
             <a:fld id="{52310252-A9E2-4B4A-AF86-1B3DE9E769F3}" type="datetimeFigureOut">
               <a:rPr lang="zh-TW" altLang="en-US" smtClean="0"/>
-              <a:t>2024/12/5</a:t>
+              <a:t>2025/3/20</a:t>
             </a:fld>
             <a:endParaRPr lang="zh-TW" altLang="en-US"/>
           </a:p>
@@ -3101,7 +3101,7 @@
           <a:p>
             <a:fld id="{52310252-A9E2-4B4A-AF86-1B3DE9E769F3}" type="datetimeFigureOut">
               <a:rPr lang="zh-TW" altLang="en-US" smtClean="0"/>
-              <a:t>2024/12/5</a:t>
+              <a:t>2025/3/20</a:t>
             </a:fld>
             <a:endParaRPr lang="zh-TW" altLang="en-US"/>
           </a:p>
